--- a/doc/workshop/ensembleModels/ensemble_models.pptx
+++ b/doc/workshop/ensembleModels/ensemble_models.pptx
@@ -33511,11 +33511,7 @@
           <a:p>
             <a:r>
               <a:rPr lang="en-US" b="0" dirty="0" smtClean="0"/>
-              <a:t>Ensemble and Hybrid </a:t>
-            </a:r>
-            <a:r>
-              <a:rPr lang="en-US" b="0" dirty="0" smtClean="0"/>
-              <a:t>Modeling</a:t>
+              <a:t>Ensemble and Hybrid Modeling</a:t>
             </a:r>
             <a:endParaRPr lang="en-US" b="0" dirty="0"/>
           </a:p>
@@ -35235,11 +35231,7 @@
             <a:pPr algn="ctr"/>
             <a:r>
               <a:rPr lang="en-US" b="0" dirty="0" smtClean="0"/>
-              <a:t>Employing Ensemble modeling in </a:t>
-            </a:r>
-            <a:r>
-              <a:rPr lang="en-US" b="0" dirty="0" smtClean="0"/>
-              <a:t>RAVEN</a:t>
+              <a:t>Employing Ensemble modeling in RAVEN</a:t>
             </a:r>
             <a:endParaRPr lang="en-US" b="0" dirty="0"/>
           </a:p>
@@ -35323,7 +35315,7 @@
           <p:cNvPr id="2" name="Title 1">
             <a:extLst>
               <a:ext uri="{FF2B5EF4-FFF2-40B4-BE49-F238E27FC236}">
-                <a16:creationId xmlns:a16="http://schemas.microsoft.com/office/drawing/2014/main" xmlns="" id="{947C2D4B-6EB3-C544-88A4-979AB31FDE9D}"/>
+                <a16:creationId xmlns="" xmlns:a16="http://schemas.microsoft.com/office/drawing/2014/main" id="{947C2D4B-6EB3-C544-88A4-979AB31FDE9D}"/>
               </a:ext>
             </a:extLst>
           </p:cNvPr>
@@ -35351,7 +35343,7 @@
           <p:cNvPr id="3" name="Content Placeholder 2">
             <a:extLst>
               <a:ext uri="{FF2B5EF4-FFF2-40B4-BE49-F238E27FC236}">
-                <a16:creationId xmlns:a16="http://schemas.microsoft.com/office/drawing/2014/main" xmlns="" id="{D08E8F85-C01D-8143-BD69-34E1CC87E338}"/>
+                <a16:creationId xmlns="" xmlns:a16="http://schemas.microsoft.com/office/drawing/2014/main" id="{D08E8F85-C01D-8143-BD69-34E1CC87E338}"/>
               </a:ext>
             </a:extLst>
           </p:cNvPr>
@@ -35423,7 +35415,7 @@
           <p:cNvPr id="4" name="TextBox 3">
             <a:extLst>
               <a:ext uri="{FF2B5EF4-FFF2-40B4-BE49-F238E27FC236}">
-                <a16:creationId xmlns:a16="http://schemas.microsoft.com/office/drawing/2014/main" xmlns="" id="{87C2AEDC-53C9-3146-8BFF-639AE949C68B}"/>
+                <a16:creationId xmlns="" xmlns:a16="http://schemas.microsoft.com/office/drawing/2014/main" id="{87C2AEDC-53C9-3146-8BFF-639AE949C68B}"/>
               </a:ext>
             </a:extLst>
           </p:cNvPr>
@@ -35516,7 +35508,7 @@
           <p:cNvPr id="5" name="TextBox 4">
             <a:extLst>
               <a:ext uri="{FF2B5EF4-FFF2-40B4-BE49-F238E27FC236}">
-                <a16:creationId xmlns:a16="http://schemas.microsoft.com/office/drawing/2014/main" xmlns="" id="{C78B8FF2-02F6-B645-B684-E17854069A2E}"/>
+                <a16:creationId xmlns="" xmlns:a16="http://schemas.microsoft.com/office/drawing/2014/main" id="{C78B8FF2-02F6-B645-B684-E17854069A2E}"/>
               </a:ext>
             </a:extLst>
           </p:cNvPr>
@@ -35617,7 +35609,7 @@
           <p:cNvPr id="2" name="Title 1">
             <a:extLst>
               <a:ext uri="{FF2B5EF4-FFF2-40B4-BE49-F238E27FC236}">
-                <a16:creationId xmlns:a16="http://schemas.microsoft.com/office/drawing/2014/main" xmlns="" id="{0AE31D52-5930-C243-B568-FA985C89546D}"/>
+                <a16:creationId xmlns="" xmlns:a16="http://schemas.microsoft.com/office/drawing/2014/main" id="{0AE31D52-5930-C243-B568-FA985C89546D}"/>
               </a:ext>
             </a:extLst>
           </p:cNvPr>
@@ -35641,14 +35633,14 @@
           </a:p>
         </p:txBody>
       </p:sp>
-      <mc:AlternateContent xmlns:mc="http://schemas.openxmlformats.org/markup-compatibility/2006">
-        <mc:Choice xmlns:a14="http://schemas.microsoft.com/office/drawing/2010/main" Requires="a14">
+      <mc:AlternateContent xmlns:mc="http://schemas.openxmlformats.org/markup-compatibility/2006" xmlns:a14="http://schemas.microsoft.com/office/drawing/2010/main">
+        <mc:Choice Requires="a14">
           <p:sp>
             <p:nvSpPr>
               <p:cNvPr id="3" name="Content Placeholder 2">
                 <a:extLst>
                   <a:ext uri="{FF2B5EF4-FFF2-40B4-BE49-F238E27FC236}">
-                    <a16:creationId xmlns:a16="http://schemas.microsoft.com/office/drawing/2014/main" xmlns="" id="{71F9B043-F349-114D-84AF-4DF2056FA707}"/>
+                    <a16:creationId xmlns="" xmlns:a16="http://schemas.microsoft.com/office/drawing/2014/main" id="{71F9B043-F349-114D-84AF-4DF2056FA707}"/>
                   </a:ext>
                 </a:extLst>
               </p:cNvPr>
@@ -35730,7 +35722,6 @@
               </a:p>
               <a:p>
                 <a:pPr lvl="1"/>
-                <a14:m/>
                 <a:r>
                   <a:rPr lang="en-US" dirty="0"/>
                   <a:t>, the launch angle</a:t>
@@ -35755,7 +35746,6 @@
               </a:p>
               <a:p>
                 <a:pPr lvl="1"/>
-                <a14:m/>
                 <a:r>
                   <a:rPr lang="en-US" dirty="0"/>
                   <a:t>, the horizontal position throughout the arc</a:t>
@@ -35763,7 +35753,6 @@
               </a:p>
               <a:p>
                 <a:pPr lvl="1"/>
-                <a14:m/>
                 <a:r>
                   <a:rPr lang="en-US" dirty="0"/>
                   <a:t>, the vertical position throughout the arc</a:t>
@@ -35771,7 +35760,6 @@
               </a:p>
               <a:p>
                 <a:pPr lvl="1"/>
-                <a14:m/>
                 <a:r>
                   <a:rPr lang="en-US" dirty="0"/>
                   <a:t>, the range or furthest point reached</a:t>
@@ -35779,7 +35767,6 @@
               </a:p>
               <a:p>
                 <a:pPr lvl="1"/>
-                <a14:m/>
                 <a:r>
                   <a:rPr lang="en-US" dirty="0"/>
                   <a:t>, the time of flight</a:t>
@@ -35815,7 +35802,7 @@
             </p:txBody>
           </p:sp>
         </mc:Choice>
-        <mc:Fallback>
+        <mc:Fallback xmlns="">
           <p:sp>
             <p:nvSpPr>
               <p:cNvPr id="3" name="Content Placeholder 2">
@@ -36082,16 +36069,6 @@
               </a:rPr>
               <a:t>Model B</a:t>
             </a:r>
-            <a:endParaRPr kumimoji="0" lang="en-US" sz="2400" b="0" i="0" u="none" strike="noStrike" cap="none" normalizeH="0" baseline="0" dirty="0" smtClean="0">
-              <a:ln>
-                <a:noFill/>
-              </a:ln>
-              <a:solidFill>
-                <a:schemeClr val="tx1"/>
-              </a:solidFill>
-              <a:effectLst/>
-              <a:latin typeface="Times New Roman" pitchFamily="18" charset="0"/>
-            </a:endParaRPr>
           </a:p>
         </p:txBody>
       </p:sp>
@@ -36158,16 +36135,6 @@
               </a:rPr>
               <a:t>Model A</a:t>
             </a:r>
-            <a:endParaRPr kumimoji="0" lang="en-US" sz="2400" b="0" i="0" u="none" strike="noStrike" cap="none" normalizeH="0" baseline="0" dirty="0" smtClean="0">
-              <a:ln>
-                <a:noFill/>
-              </a:ln>
-              <a:solidFill>
-                <a:schemeClr val="tx1"/>
-              </a:solidFill>
-              <a:effectLst/>
-              <a:latin typeface="Times New Roman" pitchFamily="18" charset="0"/>
-            </a:endParaRPr>
           </a:p>
         </p:txBody>
       </p:sp>
@@ -37017,11 +36984,7 @@
           <a:p>
             <a:r>
               <a:rPr lang="en-US" b="0" dirty="0" smtClean="0"/>
-              <a:t>Create an Ensemble </a:t>
-            </a:r>
-            <a:r>
-              <a:rPr lang="en-US" b="0" dirty="0" smtClean="0"/>
-              <a:t>model</a:t>
+              <a:t>Create an Ensemble model</a:t>
             </a:r>
             <a:endParaRPr lang="en-US" b="0" dirty="0"/>
           </a:p>
@@ -37563,37 +37526,7 @@
                 <a:latin typeface="Courier"/>
                 <a:cs typeface="Courier"/>
               </a:rPr>
-              <a:t>    </a:t>
-            </a:r>
-            <a:r>
-              <a:rPr lang="en-US" sz="1400" dirty="0" smtClean="0">
-                <a:solidFill>
-                  <a:srgbClr val="008000"/>
-                </a:solidFill>
-                <a:latin typeface="Courier"/>
-                <a:cs typeface="Courier"/>
-              </a:rPr>
-              <a:t>&lt;</a:t>
-            </a:r>
-            <a:r>
-              <a:rPr lang="en-US" sz="1400" dirty="0" smtClean="0">
-                <a:solidFill>
-                  <a:srgbClr val="008000"/>
-                </a:solidFill>
-                <a:latin typeface="Courier"/>
-                <a:cs typeface="Courier"/>
-              </a:rPr>
-              <a:t>Normal</a:t>
-            </a:r>
-            <a:r>
-              <a:rPr lang="en-US" sz="1400" dirty="0" smtClean="0">
-                <a:solidFill>
-                  <a:srgbClr val="008000"/>
-                </a:solidFill>
-                <a:latin typeface="Courier"/>
-                <a:cs typeface="Courier"/>
-              </a:rPr>
-              <a:t> </a:t>
+              <a:t>    &lt;Normal </a:t>
             </a:r>
             <a:r>
               <a:rPr lang="en-US" sz="1400" dirty="0">
@@ -37890,27 +37823,7 @@
                 <a:latin typeface="Courier"/>
                 <a:cs typeface="Courier"/>
               </a:rPr>
-              <a:t>/</a:t>
-            </a:r>
-            <a:r>
-              <a:rPr lang="en-US" sz="1400" dirty="0" smtClean="0">
-                <a:solidFill>
-                  <a:srgbClr val="008000"/>
-                </a:solidFill>
-                <a:latin typeface="Courier"/>
-                <a:cs typeface="Courier"/>
-              </a:rPr>
-              <a:t>Normal</a:t>
-            </a:r>
-            <a:r>
-              <a:rPr lang="en-US" sz="1400" dirty="0" smtClean="0">
-                <a:solidFill>
-                  <a:srgbClr val="008000"/>
-                </a:solidFill>
-                <a:latin typeface="Courier"/>
-                <a:cs typeface="Courier"/>
-              </a:rPr>
-              <a:t>&gt;</a:t>
+              <a:t>/Normal&gt;</a:t>
             </a:r>
           </a:p>
           <a:p>
@@ -38625,27 +38538,7 @@
                 <a:latin typeface="Courier"/>
                 <a:cs typeface="Courier"/>
               </a:rPr>
-              <a:t>’</a:t>
-            </a:r>
-            <a:r>
-              <a:rPr lang="en-US" sz="1300" dirty="0" smtClean="0">
-                <a:solidFill>
-                  <a:srgbClr val="1A4DB2"/>
-                </a:solidFill>
-                <a:latin typeface="Courier"/>
-                <a:cs typeface="Courier"/>
-              </a:rPr>
-              <a:t>projectile</a:t>
-            </a:r>
-            <a:r>
-              <a:rPr lang="en-US" sz="1300" dirty="0" smtClean="0">
-                <a:solidFill>
-                  <a:srgbClr val="1A4DB2"/>
-                </a:solidFill>
-                <a:latin typeface="Courier"/>
-                <a:cs typeface="Courier"/>
-              </a:rPr>
-              <a:t>' </a:t>
+              <a:t>’projectile' </a:t>
             </a:r>
             <a:r>
               <a:rPr lang="en-US" sz="1300" dirty="0" err="1">
@@ -38705,27 +38598,7 @@
                 <a:latin typeface="Courier"/>
                 <a:cs typeface="Courier"/>
               </a:rPr>
-              <a:t>’</a:t>
-            </a:r>
-            <a:r>
-              <a:rPr lang="en-US" sz="1300" dirty="0" smtClean="0">
-                <a:solidFill>
-                  <a:srgbClr val="1A4DB2"/>
-                </a:solidFill>
-                <a:latin typeface="Courier"/>
-                <a:cs typeface="Courier"/>
-              </a:rPr>
-              <a:t>../../projectile</a:t>
-            </a:r>
-            <a:r>
-              <a:rPr lang="en-US" sz="1300" dirty="0" smtClean="0">
-                <a:solidFill>
-                  <a:srgbClr val="1A4DB2"/>
-                </a:solidFill>
-                <a:latin typeface="Courier"/>
-                <a:cs typeface="Courier"/>
-              </a:rPr>
-              <a:t>’</a:t>
+              <a:t>’../../projectile’</a:t>
             </a:r>
             <a:r>
               <a:rPr lang="en-US" sz="1300" dirty="0" smtClean="0">
@@ -38764,17 +38637,7 @@
                 <a:latin typeface="Courier"/>
                 <a:cs typeface="Courier"/>
               </a:rPr>
-              <a:t>variables</a:t>
-            </a:r>
-            <a:r>
-              <a:rPr lang="en-US" sz="1300" dirty="0" smtClean="0">
-                <a:solidFill>
-                  <a:srgbClr val="008000"/>
-                </a:solidFill>
-                <a:latin typeface="Courier"/>
-                <a:cs typeface="Courier"/>
-              </a:rPr>
-              <a:t>&gt;</a:t>
+              <a:t>variables&gt;</a:t>
             </a:r>
             <a:r>
               <a:rPr lang="en-US" sz="1300" dirty="0" smtClean="0">
@@ -39015,17 +38878,7 @@
                 <a:latin typeface="Courier"/>
                 <a:cs typeface="Courier"/>
               </a:rPr>
-              <a:t>’</a:t>
-            </a:r>
-            <a:r>
-              <a:rPr lang="en-US" sz="1300" dirty="0" smtClean="0">
-                <a:solidFill>
-                  <a:srgbClr val="1A4DB2"/>
-                </a:solidFill>
-                <a:latin typeface="Courier"/>
-                <a:cs typeface="Courier"/>
-              </a:rPr>
-              <a:t>../../</a:t>
+              <a:t>’../../</a:t>
             </a:r>
             <a:r>
               <a:rPr lang="en-US" sz="1300" dirty="0" err="1" smtClean="0">
@@ -40264,25 +40117,8 @@
                 <a:latin typeface="Courier"/>
                 <a:cs typeface="Courier"/>
               </a:rPr>
-              <a:t>         </a:t>
-            </a:r>
-            <a:r>
-              <a:rPr lang="en-US" sz="1300" dirty="0" smtClean="0">
-                <a:solidFill>
-                  <a:srgbClr val="000000"/>
-                </a:solidFill>
-                <a:latin typeface="Courier"/>
-                <a:cs typeface="Courier"/>
-              </a:rPr>
-              <a:t>projectile</a:t>
-            </a:r>
-            <a:endParaRPr lang="en-US" sz="1300" dirty="0" smtClean="0">
-              <a:solidFill>
-                <a:srgbClr val="000000"/>
-              </a:solidFill>
-              <a:latin typeface="Courier"/>
-              <a:cs typeface="Courier"/>
-            </a:endParaRPr>
+              <a:t>         projectile</a:t>
+            </a:r>
           </a:p>
           <a:p>
             <a:r>
@@ -42138,11 +41974,7 @@
             <a:pPr lvl="1"/>
             <a:r>
               <a:rPr lang="en-US" dirty="0" smtClean="0"/>
-              <a:t>Characteristics and </a:t>
-            </a:r>
-            <a:r>
-              <a:rPr lang="en-US" dirty="0" smtClean="0"/>
-              <a:t>limitations</a:t>
+              <a:t>Characteristics and limitations</a:t>
             </a:r>
           </a:p>
           <a:p>
@@ -42187,7 +42019,6 @@
               <a:rPr lang="en-US" dirty="0" smtClean="0"/>
               <a:t>Hands-on</a:t>
             </a:r>
-            <a:endParaRPr lang="en-US" dirty="0" smtClean="0"/>
           </a:p>
           <a:p>
             <a:pPr marL="0" indent="0">
@@ -43048,17 +42879,7 @@
                 <a:latin typeface="Courier"/>
                 <a:cs typeface="Courier"/>
               </a:rPr>
-              <a:t>projectile</a:t>
-            </a:r>
-            <a:r>
-              <a:rPr lang="en-US" sz="1400" dirty="0" err="1" smtClean="0">
-                <a:solidFill>
-                  <a:srgbClr val="1A4DB2"/>
-                </a:solidFill>
-                <a:latin typeface="Courier"/>
-                <a:cs typeface="Courier"/>
-              </a:rPr>
-              <a:t>Container</a:t>
+              <a:t>projectileContainer</a:t>
             </a:r>
             <a:r>
               <a:rPr lang="en-US" sz="1400" dirty="0" smtClean="0">
@@ -43362,17 +43183,7 @@
                 <a:latin typeface="Courier"/>
                 <a:cs typeface="Courier"/>
               </a:rPr>
-              <a:t>KEnergy</a:t>
-            </a:r>
-            <a:r>
-              <a:rPr lang="en-US" sz="1400" dirty="0" err="1" smtClean="0">
-                <a:solidFill>
-                  <a:srgbClr val="1A4DB2"/>
-                </a:solidFill>
-                <a:latin typeface="Courier"/>
-                <a:cs typeface="Courier"/>
-              </a:rPr>
-              <a:t>Container</a:t>
+              <a:t>KEnergyContainer</a:t>
             </a:r>
             <a:r>
               <a:rPr lang="en-US" sz="1400" dirty="0" smtClean="0">
@@ -43540,17 +43351,7 @@
                 <a:latin typeface="Courier"/>
                 <a:cs typeface="Courier"/>
               </a:rPr>
-              <a:t>&lt;</a:t>
-            </a:r>
-            <a:r>
-              <a:rPr lang="en-US" sz="1400" dirty="0" smtClean="0">
-                <a:solidFill>
-                  <a:srgbClr val="008000"/>
-                </a:solidFill>
-                <a:latin typeface="Courier"/>
-                <a:cs typeface="Courier"/>
-              </a:rPr>
-              <a:t>/</a:t>
+              <a:t>&lt;/</a:t>
             </a:r>
             <a:r>
               <a:rPr lang="en-US" sz="1400" dirty="0" err="1">
@@ -44163,7 +43964,7 @@
           <p:cNvPr id="4" name="Title 1">
             <a:extLst>
               <a:ext uri="{FF2B5EF4-FFF2-40B4-BE49-F238E27FC236}">
-                <a16:creationId xmlns="" xmlns:a16="http://schemas.microsoft.com/office/drawing/2014/main" id="{98DD3019-5BC0-B641-AC95-73DED019AD73}"/>
+                <a16:creationId xmlns:a16="http://schemas.microsoft.com/office/drawing/2014/main" xmlns="" id="{98DD3019-5BC0-B641-AC95-73DED019AD73}"/>
               </a:ext>
             </a:extLst>
           </p:cNvPr>
@@ -44199,7 +44000,7 @@
           <p:cNvPr id="5" name="Picture 4">
             <a:extLst>
               <a:ext uri="{FF2B5EF4-FFF2-40B4-BE49-F238E27FC236}">
-                <a16:creationId xmlns="" xmlns:a16="http://schemas.microsoft.com/office/drawing/2014/main" id="{0413F2DF-4AC8-0445-A0C2-55FCCEA12104}"/>
+                <a16:creationId xmlns:a16="http://schemas.microsoft.com/office/drawing/2014/main" xmlns="" id="{0413F2DF-4AC8-0445-A0C2-55FCCEA12104}"/>
               </a:ext>
             </a:extLst>
           </p:cNvPr>
@@ -44235,7 +44036,7 @@
           <p:cNvPr id="7" name="TextBox 6">
             <a:extLst>
               <a:ext uri="{FF2B5EF4-FFF2-40B4-BE49-F238E27FC236}">
-                <a16:creationId xmlns="" xmlns:a16="http://schemas.microsoft.com/office/drawing/2014/main" id="{C37435A4-2BFB-4E4F-8443-F1ACE540068C}"/>
+                <a16:creationId xmlns:a16="http://schemas.microsoft.com/office/drawing/2014/main" xmlns="" id="{C37435A4-2BFB-4E4F-8443-F1ACE540068C}"/>
               </a:ext>
             </a:extLst>
           </p:cNvPr>
@@ -45520,7 +45321,7 @@
           <p:cNvPr id="2" name="Title 1">
             <a:extLst>
               <a:ext uri="{FF2B5EF4-FFF2-40B4-BE49-F238E27FC236}">
-                <a16:creationId xmlns="" xmlns:a16="http://schemas.microsoft.com/office/drawing/2014/main" id="{C062D0BB-2DB6-9F4F-92D2-F1DA89BBE8AD}"/>
+                <a16:creationId xmlns:a16="http://schemas.microsoft.com/office/drawing/2014/main" xmlns="" id="{C062D0BB-2DB6-9F4F-92D2-F1DA89BBE8AD}"/>
               </a:ext>
             </a:extLst>
           </p:cNvPr>
@@ -45548,7 +45349,7 @@
           <p:cNvPr id="4" name="Picture 3">
             <a:extLst>
               <a:ext uri="{FF2B5EF4-FFF2-40B4-BE49-F238E27FC236}">
-                <a16:creationId xmlns="" xmlns:a16="http://schemas.microsoft.com/office/drawing/2014/main" id="{6620399C-0DD0-7A4C-A199-D090994ACC20}"/>
+                <a16:creationId xmlns:a16="http://schemas.microsoft.com/office/drawing/2014/main" xmlns="" id="{6620399C-0DD0-7A4C-A199-D090994ACC20}"/>
               </a:ext>
             </a:extLst>
           </p:cNvPr>
@@ -45584,7 +45385,7 @@
           <p:cNvPr id="5" name="Picture 4">
             <a:extLst>
               <a:ext uri="{FF2B5EF4-FFF2-40B4-BE49-F238E27FC236}">
-                <a16:creationId xmlns="" xmlns:a16="http://schemas.microsoft.com/office/drawing/2014/main" id="{E0E787A5-3DD2-3845-B666-131CCAF02CB7}"/>
+                <a16:creationId xmlns:a16="http://schemas.microsoft.com/office/drawing/2014/main" xmlns="" id="{E0E787A5-3DD2-3845-B666-131CCAF02CB7}"/>
               </a:ext>
             </a:extLst>
           </p:cNvPr>
@@ -45620,7 +45421,7 @@
           <p:cNvPr id="6" name="Rectangle 3">
             <a:extLst>
               <a:ext uri="{FF2B5EF4-FFF2-40B4-BE49-F238E27FC236}">
-                <a16:creationId xmlns="" xmlns:a16="http://schemas.microsoft.com/office/drawing/2014/main" id="{49E07262-2378-4F41-97BE-B6F9819652E8}"/>
+                <a16:creationId xmlns:a16="http://schemas.microsoft.com/office/drawing/2014/main" xmlns="" id="{49E07262-2378-4F41-97BE-B6F9819652E8}"/>
               </a:ext>
             </a:extLst>
           </p:cNvPr>
@@ -45893,7 +45694,7 @@
           <p:cNvPr id="2" name="Title 1">
             <a:extLst>
               <a:ext uri="{FF2B5EF4-FFF2-40B4-BE49-F238E27FC236}">
-                <a16:creationId xmlns:a16="http://schemas.microsoft.com/office/drawing/2014/main" xmlns="" id="{0AE31D52-5930-C243-B568-FA985C89546D}"/>
+                <a16:creationId xmlns="" xmlns:a16="http://schemas.microsoft.com/office/drawing/2014/main" id="{0AE31D52-5930-C243-B568-FA985C89546D}"/>
               </a:ext>
             </a:extLst>
           </p:cNvPr>
@@ -45917,14 +45718,14 @@
           </a:p>
         </p:txBody>
       </p:sp>
-      <mc:AlternateContent xmlns:mc="http://schemas.openxmlformats.org/markup-compatibility/2006">
-        <mc:Choice xmlns:a14="http://schemas.microsoft.com/office/drawing/2010/main" Requires="a14">
+      <mc:AlternateContent xmlns:mc="http://schemas.openxmlformats.org/markup-compatibility/2006" xmlns:a14="http://schemas.microsoft.com/office/drawing/2010/main">
+        <mc:Choice Requires="a14">
           <p:sp>
             <p:nvSpPr>
               <p:cNvPr id="3" name="Content Placeholder 2">
                 <a:extLst>
                   <a:ext uri="{FF2B5EF4-FFF2-40B4-BE49-F238E27FC236}">
-                    <a16:creationId xmlns:a16="http://schemas.microsoft.com/office/drawing/2014/main" xmlns="" id="{71F9B043-F349-114D-84AF-4DF2056FA707}"/>
+                    <a16:creationId xmlns="" xmlns:a16="http://schemas.microsoft.com/office/drawing/2014/main" id="{71F9B043-F349-114D-84AF-4DF2056FA707}"/>
                   </a:ext>
                 </a:extLst>
               </p:cNvPr>
@@ -46006,7 +45807,6 @@
               </a:p>
               <a:p>
                 <a:pPr lvl="1"/>
-                <a14:m/>
                 <a:r>
                   <a:rPr lang="en-US" dirty="0"/>
                   <a:t>, the launch angle</a:t>
@@ -46031,7 +45831,6 @@
               </a:p>
               <a:p>
                 <a:pPr lvl="1"/>
-                <a14:m/>
                 <a:r>
                   <a:rPr lang="en-US" dirty="0"/>
                   <a:t>, the horizontal position throughout the arc</a:t>
@@ -46039,7 +45838,6 @@
               </a:p>
               <a:p>
                 <a:pPr lvl="1"/>
-                <a14:m/>
                 <a:r>
                   <a:rPr lang="en-US" dirty="0"/>
                   <a:t>, the vertical position throughout the arc</a:t>
@@ -46047,7 +45845,6 @@
               </a:p>
               <a:p>
                 <a:pPr lvl="1"/>
-                <a14:m/>
                 <a:r>
                   <a:rPr lang="en-US" dirty="0"/>
                   <a:t>, the range or furthest point reached</a:t>
@@ -46055,7 +45852,6 @@
               </a:p>
               <a:p>
                 <a:pPr lvl="1"/>
-                <a14:m/>
                 <a:r>
                   <a:rPr lang="en-US" dirty="0"/>
                   <a:t>, the time of flight</a:t>
@@ -46091,7 +45887,7 @@
             </p:txBody>
           </p:sp>
         </mc:Choice>
-        <mc:Fallback>
+        <mc:Fallback xmlns="">
           <p:sp>
             <p:nvSpPr>
               <p:cNvPr id="3" name="Content Placeholder 2">
@@ -46433,13 +46229,7 @@
               <a:rPr lang="en-US" sz="2000" dirty="0" err="1" smtClean="0">
                 <a:latin typeface="+mn-lt"/>
               </a:rPr>
-              <a:t>Hybrid</a:t>
-            </a:r>
-            <a:r>
-              <a:rPr lang="en-US" sz="2000" dirty="0" err="1" smtClean="0">
-                <a:latin typeface="+mn-lt"/>
-              </a:rPr>
-              <a:t>Model</a:t>
+              <a:t>HybridModel</a:t>
             </a:r>
             <a:endParaRPr kumimoji="0" lang="en-US" sz="2000" b="0" i="0" u="none" strike="noStrike" cap="none" normalizeH="0" baseline="0" dirty="0" smtClean="0">
               <a:ln>
@@ -47177,7 +46967,6 @@
               <a:rPr lang="en-US" b="0" dirty="0"/>
               <a:t>Create a Hybrid model</a:t>
             </a:r>
-            <a:endParaRPr lang="en-US" b="0" dirty="0"/>
           </a:p>
         </p:txBody>
       </p:sp>
@@ -47436,17 +47225,7 @@
                 <a:latin typeface="Courier"/>
                 <a:cs typeface="Courier"/>
               </a:rPr>
-              <a:t>   ..</a:t>
-            </a:r>
-            <a:r>
-              <a:rPr lang="en-US" sz="1300" dirty="0" smtClean="0">
-                <a:solidFill>
-                  <a:srgbClr val="008000"/>
-                </a:solidFill>
-                <a:latin typeface="Courier"/>
-                <a:cs typeface="Courier"/>
-              </a:rPr>
-              <a:t>.</a:t>
+              <a:t>   ...</a:t>
             </a:r>
             <a:endParaRPr lang="en-US" sz="1300" dirty="0">
               <a:solidFill>
@@ -47866,13 +47645,6 @@
               </a:rPr>
               <a:t>&gt;</a:t>
             </a:r>
-            <a:endParaRPr lang="en-US" sz="1300" dirty="0" smtClean="0">
-              <a:solidFill>
-                <a:srgbClr val="008000"/>
-              </a:solidFill>
-              <a:latin typeface="Courier"/>
-              <a:cs typeface="Courier"/>
-            </a:endParaRPr>
           </a:p>
           <a:p>
             <a:r>
@@ -48485,7 +48257,6 @@
               <a:rPr lang="en-US" b="0" dirty="0"/>
               <a:t>Create a Hybrid model</a:t>
             </a:r>
-            <a:endParaRPr lang="en-US" b="0" dirty="0"/>
           </a:p>
         </p:txBody>
       </p:sp>
@@ -49166,7 +48937,6 @@
               <a:rPr lang="en-US" b="0" dirty="0"/>
               <a:t>Create a Hybrid model</a:t>
             </a:r>
-            <a:endParaRPr lang="en-US" b="0" dirty="0"/>
           </a:p>
         </p:txBody>
       </p:sp>
@@ -49847,7 +49617,6 @@
               <a:rPr lang="en-US" b="0" dirty="0"/>
               <a:t>Create a Hybrid model</a:t>
             </a:r>
-            <a:endParaRPr lang="en-US" b="0" dirty="0"/>
           </a:p>
         </p:txBody>
       </p:sp>
@@ -50541,16 +50310,6 @@
               </a:rPr>
               <a:t>Metrics</a:t>
             </a:r>
-            <a:endParaRPr kumimoji="0" lang="en-US" sz="1600" b="0" i="0" u="none" strike="noStrike" cap="none" normalizeH="0" dirty="0" smtClean="0">
-              <a:ln>
-                <a:noFill/>
-              </a:ln>
-              <a:solidFill>
-                <a:schemeClr val="tx1"/>
-              </a:solidFill>
-              <a:effectLst/>
-              <a:latin typeface="+mj-lt"/>
-            </a:endParaRPr>
           </a:p>
         </p:txBody>
       </p:sp>
@@ -50615,7 +50374,6 @@
               <a:rPr lang="en-US" b="0" dirty="0"/>
               <a:t>Create a Hybrid model</a:t>
             </a:r>
-            <a:endParaRPr lang="en-US" b="0" dirty="0"/>
           </a:p>
         </p:txBody>
       </p:sp>
@@ -51825,17 +51583,7 @@
                 <a:latin typeface="Courier"/>
                 <a:cs typeface="Courier"/>
               </a:rPr>
-              <a:t>&lt;</a:t>
-            </a:r>
-            <a:r>
-              <a:rPr lang="en-US" sz="1400" dirty="0" smtClean="0">
-                <a:solidFill>
-                  <a:srgbClr val="008000"/>
-                </a:solidFill>
-                <a:latin typeface="Courier"/>
-                <a:cs typeface="Courier"/>
-              </a:rPr>
-              <a:t>/</a:t>
+              <a:t>&lt;/</a:t>
             </a:r>
             <a:r>
               <a:rPr lang="en-US" sz="1400" dirty="0" err="1">
@@ -52543,7 +52291,15 @@
             <a:pPr lvl="2" algn="just"/>
             <a:r>
               <a:rPr lang="en-US" dirty="0" smtClean="0"/>
-              <a:t>Aimed to emulate the response of a system based on a simplified mathematical representation</a:t>
+              <a:t>Aimed to emulate the response of a system based on a simplified </a:t>
+            </a:r>
+            <a:r>
+              <a:rPr lang="en-US" dirty="0" smtClean="0"/>
+              <a:t>mathematical </a:t>
+            </a:r>
+            <a:r>
+              <a:rPr lang="en-US" dirty="0" smtClean="0"/>
+              <a:t>representation</a:t>
             </a:r>
           </a:p>
           <a:p>
@@ -52590,7 +52346,25 @@
             </a:r>
             <a:r>
               <a:rPr lang="en-US" dirty="0" smtClean="0"/>
-              <a:t>assemble multiple models</a:t>
+              <a:t>assemble multiple </a:t>
+            </a:r>
+            <a:r>
+              <a:rPr lang="en-US" dirty="0" smtClean="0"/>
+              <a:t>models</a:t>
+            </a:r>
+          </a:p>
+          <a:p>
+            <a:pPr lvl="1" algn="just"/>
+            <a:r>
+              <a:rPr lang="en-US" dirty="0" smtClean="0"/>
+              <a:t>Hybrid Models:</a:t>
+            </a:r>
+          </a:p>
+          <a:p>
+            <a:pPr lvl="2" algn="just"/>
+            <a:r>
+              <a:rPr lang="en-US" dirty="0" smtClean="0"/>
+              <a:t>Automatic model selections</a:t>
             </a:r>
             <a:endParaRPr lang="en-US" dirty="0"/>
           </a:p>
@@ -54269,7 +54043,7 @@
               <a:graphicData uri="http://schemas.openxmlformats.org/presentationml/2006/ole">
                 <mc:AlternateContent xmlns:mc="http://schemas.openxmlformats.org/markup-compatibility/2006">
                   <mc:Choice xmlns:v="urn:schemas-microsoft-com:vml" Requires="v">
-                    <p:oleObj spid="_x0000_s27458" name="Equation" r:id="rId4" imgW="685800" imgH="520700" progId="Equation.3">
+                    <p:oleObj spid="_x0000_s27483" name="Equation" r:id="rId4" imgW="685800" imgH="520700" progId="Equation.3">
                       <p:embed/>
                     </p:oleObj>
                   </mc:Choice>
@@ -54326,7 +54100,7 @@
               <a:graphicData uri="http://schemas.openxmlformats.org/presentationml/2006/ole">
                 <mc:AlternateContent xmlns:mc="http://schemas.openxmlformats.org/markup-compatibility/2006">
                   <mc:Choice xmlns:v="urn:schemas-microsoft-com:vml" Requires="v">
-                    <p:oleObj spid="_x0000_s27459" name="Equation" r:id="rId6" imgW="698500" imgH="495300" progId="Equation.3">
+                    <p:oleObj spid="_x0000_s27484" name="Equation" r:id="rId6" imgW="698500" imgH="495300" progId="Equation.3">
                       <p:embed/>
                     </p:oleObj>
                   </mc:Choice>
@@ -54489,7 +54263,7 @@
               <a:graphicData uri="http://schemas.openxmlformats.org/presentationml/2006/ole">
                 <mc:AlternateContent xmlns:mc="http://schemas.openxmlformats.org/markup-compatibility/2006">
                   <mc:Choice xmlns:v="urn:schemas-microsoft-com:vml" Requires="v">
-                    <p:oleObj spid="_x0000_s27460" name="Equation" r:id="rId8" imgW="825500" imgH="495300" progId="Equation.3">
+                    <p:oleObj spid="_x0000_s27485" name="Equation" r:id="rId8" imgW="825500" imgH="495300" progId="Equation.3">
                       <p:embed/>
                     </p:oleObj>
                   </mc:Choice>
@@ -54546,7 +54320,7 @@
               <a:graphicData uri="http://schemas.openxmlformats.org/presentationml/2006/ole">
                 <mc:AlternateContent xmlns:mc="http://schemas.openxmlformats.org/markup-compatibility/2006">
                   <mc:Choice xmlns:v="urn:schemas-microsoft-com:vml" Requires="v">
-                    <p:oleObj spid="_x0000_s27461" name="Equation" r:id="rId10" imgW="825500" imgH="495300" progId="Equation.3">
+                    <p:oleObj spid="_x0000_s27486" name="Equation" r:id="rId10" imgW="825500" imgH="495300" progId="Equation.3">
                       <p:embed/>
                     </p:oleObj>
                   </mc:Choice>
@@ -54709,7 +54483,7 @@
               <a:graphicData uri="http://schemas.openxmlformats.org/presentationml/2006/ole">
                 <mc:AlternateContent xmlns:mc="http://schemas.openxmlformats.org/markup-compatibility/2006">
                   <mc:Choice xmlns:v="urn:schemas-microsoft-com:vml" Requires="v">
-                    <p:oleObj spid="_x0000_s27462" name="Equation" r:id="rId12" imgW="749300" imgH="520700" progId="Equation.3">
+                    <p:oleObj spid="_x0000_s27487" name="Equation" r:id="rId12" imgW="749300" imgH="520700" progId="Equation.3">
                       <p:embed/>
                     </p:oleObj>
                   </mc:Choice>
@@ -54766,7 +54540,7 @@
               <a:graphicData uri="http://schemas.openxmlformats.org/presentationml/2006/ole">
                 <mc:AlternateContent xmlns:mc="http://schemas.openxmlformats.org/markup-compatibility/2006">
                   <mc:Choice xmlns:v="urn:schemas-microsoft-com:vml" Requires="v">
-                    <p:oleObj spid="_x0000_s27463" name="Equation" r:id="rId14" imgW="762000" imgH="495300" progId="Equation.DSMT4">
+                    <p:oleObj spid="_x0000_s27488" name="Equation" r:id="rId14" imgW="762000" imgH="495300" progId="Equation.DSMT4">
                       <p:embed/>
                     </p:oleObj>
                   </mc:Choice>
@@ -55540,7 +55314,7 @@
               <a:graphicData uri="http://schemas.openxmlformats.org/presentationml/2006/ole">
                 <mc:AlternateContent xmlns:mc="http://schemas.openxmlformats.org/markup-compatibility/2006">
                   <mc:Choice xmlns:v="urn:schemas-microsoft-com:vml" Requires="v">
-                    <p:oleObj spid="_x0000_s27464" name="Equation" r:id="rId16" imgW="685800" imgH="520700" progId="Equation.3">
+                    <p:oleObj spid="_x0000_s27489" name="Equation" r:id="rId16" imgW="685800" imgH="520700" progId="Equation.3">
                       <p:embed/>
                     </p:oleObj>
                   </mc:Choice>
@@ -55597,7 +55371,7 @@
               <a:graphicData uri="http://schemas.openxmlformats.org/presentationml/2006/ole">
                 <mc:AlternateContent xmlns:mc="http://schemas.openxmlformats.org/markup-compatibility/2006">
                   <mc:Choice xmlns:v="urn:schemas-microsoft-com:vml" Requires="v">
-                    <p:oleObj spid="_x0000_s27465" name="Equation" r:id="rId17" imgW="698500" imgH="495300" progId="Equation.3">
+                    <p:oleObj spid="_x0000_s27490" name="Equation" r:id="rId17" imgW="698500" imgH="495300" progId="Equation.3">
                       <p:embed/>
                     </p:oleObj>
                   </mc:Choice>
@@ -55727,7 +55501,7 @@
               <a:graphicData uri="http://schemas.openxmlformats.org/presentationml/2006/ole">
                 <mc:AlternateContent xmlns:mc="http://schemas.openxmlformats.org/markup-compatibility/2006">
                   <mc:Choice xmlns:v="urn:schemas-microsoft-com:vml" Requires="v">
-                    <p:oleObj spid="_x0000_s27466" name="Equation" r:id="rId18" imgW="711200" imgH="495300" progId="Equation.3">
+                    <p:oleObj spid="_x0000_s27491" name="Equation" r:id="rId18" imgW="711200" imgH="495300" progId="Equation.3">
                       <p:embed/>
                     </p:oleObj>
                   </mc:Choice>
@@ -55784,7 +55558,7 @@
               <a:graphicData uri="http://schemas.openxmlformats.org/presentationml/2006/ole">
                 <mc:AlternateContent xmlns:mc="http://schemas.openxmlformats.org/markup-compatibility/2006">
                   <mc:Choice xmlns:v="urn:schemas-microsoft-com:vml" Requires="v">
-                    <p:oleObj spid="_x0000_s27467" name="Equation" r:id="rId20" imgW="723900" imgH="495300" progId="Equation.3">
+                    <p:oleObj spid="_x0000_s27492" name="Equation" r:id="rId20" imgW="723900" imgH="495300" progId="Equation.3">
                       <p:embed/>
                     </p:oleObj>
                   </mc:Choice>
@@ -55914,7 +55688,7 @@
               <a:graphicData uri="http://schemas.openxmlformats.org/presentationml/2006/ole">
                 <mc:AlternateContent xmlns:mc="http://schemas.openxmlformats.org/markup-compatibility/2006">
                   <mc:Choice xmlns:v="urn:schemas-microsoft-com:vml" Requires="v">
-                    <p:oleObj spid="_x0000_s27468" name="Equation" r:id="rId22" imgW="711200" imgH="520700" progId="Equation.3">
+                    <p:oleObj spid="_x0000_s27493" name="Equation" r:id="rId22" imgW="711200" imgH="520700" progId="Equation.3">
                       <p:embed/>
                     </p:oleObj>
                   </mc:Choice>
@@ -55971,7 +55745,7 @@
               <a:graphicData uri="http://schemas.openxmlformats.org/presentationml/2006/ole">
                 <mc:AlternateContent xmlns:mc="http://schemas.openxmlformats.org/markup-compatibility/2006">
                   <mc:Choice xmlns:v="urn:schemas-microsoft-com:vml" Requires="v">
-                    <p:oleObj spid="_x0000_s27469" name="Equation" r:id="rId24" imgW="736600" imgH="495300" progId="Equation.DSMT4">
+                    <p:oleObj spid="_x0000_s27494" name="Equation" r:id="rId24" imgW="736600" imgH="495300" progId="Equation.DSMT4">
                       <p:embed/>
                     </p:oleObj>
                   </mc:Choice>
@@ -57247,7 +57021,7 @@
   </a:extraClrSchemeLst>
   <a:extLst>
     <a:ext uri="{05A4C25C-085E-4340-85A3-A5531E510DB2}">
-      <thm15:themeFamily xmlns:thm15="http://schemas.microsoft.com/office/thememl/2012/main" xmlns="" name="Standard_Presentation-2016" id="{AA70F70C-FE74-4105-B56D-A478567CF02D}" vid="{32DB2BA5-14E2-4538-A7F0-90025315B3E8}"/>
+      <thm15:themeFamily xmlns="" xmlns:thm15="http://schemas.microsoft.com/office/thememl/2012/main" name="Standard_Presentation-2016" id="{AA70F70C-FE74-4105-B56D-A478567CF02D}" vid="{32DB2BA5-14E2-4538-A7F0-90025315B3E8}"/>
     </a:ext>
   </a:extLst>
 </a:theme>
